--- a/PeoplePresentation.pptx
+++ b/PeoplePresentation.pptx
@@ -261,7 +261,7 @@
           <a:p>
             <a:fld id="{D3DE0B60-E09D-4FCC-8619-B1CE41E67754}" type="datetimeFigureOut">
               <a:rPr lang="ca-ES" smtClean="0"/>
-              <a:t>29/5/2024</a:t>
+              <a:t>6/6/2024</a:t>
             </a:fld>
             <a:endParaRPr lang="ca-ES"/>
           </a:p>
@@ -461,7 +461,7 @@
           <a:p>
             <a:fld id="{D3DE0B60-E09D-4FCC-8619-B1CE41E67754}" type="datetimeFigureOut">
               <a:rPr lang="ca-ES" smtClean="0"/>
-              <a:t>29/5/2024</a:t>
+              <a:t>6/6/2024</a:t>
             </a:fld>
             <a:endParaRPr lang="ca-ES"/>
           </a:p>
@@ -671,7 +671,7 @@
           <a:p>
             <a:fld id="{D3DE0B60-E09D-4FCC-8619-B1CE41E67754}" type="datetimeFigureOut">
               <a:rPr lang="ca-ES" smtClean="0"/>
-              <a:t>29/5/2024</a:t>
+              <a:t>6/6/2024</a:t>
             </a:fld>
             <a:endParaRPr lang="ca-ES"/>
           </a:p>
@@ -871,7 +871,7 @@
           <a:p>
             <a:fld id="{D3DE0B60-E09D-4FCC-8619-B1CE41E67754}" type="datetimeFigureOut">
               <a:rPr lang="ca-ES" smtClean="0"/>
-              <a:t>29/5/2024</a:t>
+              <a:t>6/6/2024</a:t>
             </a:fld>
             <a:endParaRPr lang="ca-ES"/>
           </a:p>
@@ -1147,7 +1147,7 @@
           <a:p>
             <a:fld id="{D3DE0B60-E09D-4FCC-8619-B1CE41E67754}" type="datetimeFigureOut">
               <a:rPr lang="ca-ES" smtClean="0"/>
-              <a:t>29/5/2024</a:t>
+              <a:t>6/6/2024</a:t>
             </a:fld>
             <a:endParaRPr lang="ca-ES"/>
           </a:p>
@@ -1415,7 +1415,7 @@
           <a:p>
             <a:fld id="{D3DE0B60-E09D-4FCC-8619-B1CE41E67754}" type="datetimeFigureOut">
               <a:rPr lang="ca-ES" smtClean="0"/>
-              <a:t>29/5/2024</a:t>
+              <a:t>6/6/2024</a:t>
             </a:fld>
             <a:endParaRPr lang="ca-ES"/>
           </a:p>
@@ -1830,7 +1830,7 @@
           <a:p>
             <a:fld id="{D3DE0B60-E09D-4FCC-8619-B1CE41E67754}" type="datetimeFigureOut">
               <a:rPr lang="ca-ES" smtClean="0"/>
-              <a:t>29/5/2024</a:t>
+              <a:t>6/6/2024</a:t>
             </a:fld>
             <a:endParaRPr lang="ca-ES"/>
           </a:p>
@@ -1972,7 +1972,7 @@
           <a:p>
             <a:fld id="{D3DE0B60-E09D-4FCC-8619-B1CE41E67754}" type="datetimeFigureOut">
               <a:rPr lang="ca-ES" smtClean="0"/>
-              <a:t>29/5/2024</a:t>
+              <a:t>6/6/2024</a:t>
             </a:fld>
             <a:endParaRPr lang="ca-ES"/>
           </a:p>
@@ -2085,7 +2085,7 @@
           <a:p>
             <a:fld id="{D3DE0B60-E09D-4FCC-8619-B1CE41E67754}" type="datetimeFigureOut">
               <a:rPr lang="ca-ES" smtClean="0"/>
-              <a:t>29/5/2024</a:t>
+              <a:t>6/6/2024</a:t>
             </a:fld>
             <a:endParaRPr lang="ca-ES"/>
           </a:p>
@@ -2398,7 +2398,7 @@
           <a:p>
             <a:fld id="{D3DE0B60-E09D-4FCC-8619-B1CE41E67754}" type="datetimeFigureOut">
               <a:rPr lang="ca-ES" smtClean="0"/>
-              <a:t>29/5/2024</a:t>
+              <a:t>6/6/2024</a:t>
             </a:fld>
             <a:endParaRPr lang="ca-ES"/>
           </a:p>
@@ -2687,7 +2687,7 @@
           <a:p>
             <a:fld id="{D3DE0B60-E09D-4FCC-8619-B1CE41E67754}" type="datetimeFigureOut">
               <a:rPr lang="ca-ES" smtClean="0"/>
-              <a:t>29/5/2024</a:t>
+              <a:t>6/6/2024</a:t>
             </a:fld>
             <a:endParaRPr lang="ca-ES"/>
           </a:p>
@@ -2930,7 +2930,7 @@
           <a:p>
             <a:fld id="{D3DE0B60-E09D-4FCC-8619-B1CE41E67754}" type="datetimeFigureOut">
               <a:rPr lang="ca-ES" smtClean="0"/>
-              <a:t>29/5/2024</a:t>
+              <a:t>6/6/2024</a:t>
             </a:fld>
             <a:endParaRPr lang="ca-ES"/>
           </a:p>
@@ -3750,7 +3750,7 @@
             <a:pPr algn="ctr"/>
             <a:r>
               <a:rPr lang="es-ES" dirty="0"/>
-              <a:t>IDAO</a:t>
+              <a:t>IDAO </a:t>
             </a:r>
             <a:endParaRPr lang="ca-ES" dirty="0"/>
           </a:p>
